--- a/Presentacion_AED.pptx
+++ b/Presentacion_AED.pptx
@@ -136,6 +136,7 @@
     <p1510:client id="{A4EC9A2F-6060-3AFC-B8EE-CB272EB48549}" v="364" dt="2023-12-19T10:58:40.822"/>
     <p1510:client id="{BBC16D5E-B9C8-C025-6BD9-49377F5E8370}" v="257" dt="2023-12-19T09:35:37.722"/>
     <p1510:client id="{CC26CF06-2408-1E75-77D2-55D30C3FA089}" v="70" dt="2023-12-19T10:09:12.498"/>
+    <p1510:client id="{D47767FC-9F12-F7D2-10C9-0B12F0091CB5}" v="44" dt="2023-12-19T15:43:07.989"/>
     <p1510:client id="{D4E93FBA-9959-7C46-00BC-ABB4F78C5E4B}" v="4" dt="2023-12-19T10:25:54.092"/>
   </p1510:revLst>
 </p1510:revInfo>
@@ -12530,20 +12531,21 @@
           <a:lstStyle/>
           <a:p>
             <a:r>
-              <a:rPr lang="es-ES" sz="2400"/>
+              <a:rPr lang="es-ES" sz="2400" b="1" dirty="0">
+                <a:solidFill>
+                  <a:schemeClr val="bg2"/>
+                </a:solidFill>
+              </a:rPr>
               <a:t>ANÁLISIS MULTIVARIANTE: </a:t>
             </a:r>
             <a:r>
-              <a:rPr lang="es-ES" sz="2400" u="sng">
-                <a:ea typeface="+mn-lt"/>
-                <a:cs typeface="+mn-lt"/>
+              <a:rPr lang="es-ES" sz="2400" u="sng" dirty="0">
+                <a:solidFill>
+                  <a:schemeClr val="bg2"/>
+                </a:solidFill>
               </a:rPr>
               <a:t>DESCUENTO RESPECTO A LA MARCA Y SECCIÓN</a:t>
             </a:r>
-            <a:endParaRPr lang="es-ES" u="sng">
-              <a:ea typeface="+mn-lt"/>
-              <a:cs typeface="+mn-lt"/>
-            </a:endParaRPr>
           </a:p>
         </p:txBody>
       </p:sp>
@@ -12795,20 +12797,21 @@
           <a:lstStyle/>
           <a:p>
             <a:r>
-              <a:rPr lang="es-ES" sz="2400"/>
-              <a:t>ANÁLISIS MULTIVARIANTE: </a:t>
+              <a:rPr lang="es-ES" sz="2400" b="1" dirty="0">
+                <a:solidFill>
+                  <a:schemeClr val="bg2"/>
+                </a:solidFill>
+              </a:rPr>
+              <a:t>ANÁLISIS MULTIVARIANTE:</a:t>
             </a:r>
             <a:r>
-              <a:rPr lang="es-ES" sz="2400" u="sng">
-                <a:ea typeface="+mn-lt"/>
-                <a:cs typeface="+mn-lt"/>
+              <a:rPr lang="es-ES" sz="2400" u="sng" dirty="0">
+                <a:solidFill>
+                  <a:schemeClr val="bg2"/>
+                </a:solidFill>
               </a:rPr>
-              <a:t>DESCUENTO RESPECTO A LA CANTIDAD DE PRODUCTOS DE UNA MARCA</a:t>
+              <a:t> DESCUENTO RESPECTO A LA CANTIDAD DE PRODUCTOS DE UNA MARCA</a:t>
             </a:r>
-            <a:endParaRPr lang="es-ES" u="sng">
-              <a:ea typeface="+mn-lt"/>
-              <a:cs typeface="+mn-lt"/>
-            </a:endParaRPr>
           </a:p>
         </p:txBody>
       </p:sp>
@@ -13030,10 +13033,13 @@
           <a:lstStyle/>
           <a:p>
             <a:r>
-              <a:rPr lang="es-ES" sz="2400"/>
+              <a:rPr lang="es-ES" sz="2400" b="1">
+                <a:solidFill>
+                  <a:schemeClr val="bg2"/>
+                </a:solidFill>
+              </a:rPr>
               <a:t>CONCLUSIÓN</a:t>
             </a:r>
-            <a:endParaRPr lang="es-ES"/>
           </a:p>
         </p:txBody>
       </p:sp>
@@ -17885,7 +17891,7 @@
           <a:lstStyle/>
           <a:p>
             <a:r>
-              <a:rPr lang="es-ES" sz="2400">
+              <a:rPr lang="es-ES" sz="2400" dirty="0">
                 <a:solidFill>
                   <a:schemeClr val="bg1"/>
                 </a:solidFill>
@@ -17893,7 +17899,7 @@
               </a:rPr>
               <a:t>¿LOS PRODUCTOS CON MAYOR PRECIO INICIAL TENDRÁN </a:t>
             </a:r>
-            <a:endParaRPr lang="es-ES">
+            <a:endParaRPr lang="es-ES" dirty="0">
               <a:solidFill>
                 <a:schemeClr val="bg1"/>
               </a:solidFill>
@@ -17902,15 +17908,15 @@
           </a:p>
           <a:p>
             <a:r>
-              <a:rPr lang="es-ES" sz="2400">
+              <a:rPr lang="es-ES" sz="2400" dirty="0">
                 <a:solidFill>
                   <a:schemeClr val="bg1"/>
                 </a:solidFill>
                 <a:latin typeface="TW Cen MT"/>
               </a:rPr>
-              <a:t>UN MAYOR MARGEN DE BENEFICIO?</a:t>
+              <a:t>UN MAYOR MARGEN DE BENEFICIO Y POR TANTO MAYOR DESCUENTO?</a:t>
             </a:r>
-            <a:endParaRPr lang="es-ES">
+            <a:endParaRPr lang="es-ES" dirty="0">
               <a:solidFill>
                 <a:schemeClr val="bg1"/>
               </a:solidFill>
@@ -24161,20 +24167,21 @@
           <a:lstStyle/>
           <a:p>
             <a:r>
-              <a:rPr lang="es-ES" sz="2400"/>
+              <a:rPr lang="es-ES" sz="2400" b="1" dirty="0">
+                <a:solidFill>
+                  <a:schemeClr val="bg2"/>
+                </a:solidFill>
+              </a:rPr>
               <a:t>ANÁLISIS MULTIVARIANTE: </a:t>
             </a:r>
             <a:r>
-              <a:rPr lang="es-ES" sz="2400" u="sng">
-                <a:ea typeface="+mn-lt"/>
-                <a:cs typeface="+mn-lt"/>
+              <a:rPr lang="es-ES" sz="2400" u="sng" dirty="0">
+                <a:solidFill>
+                  <a:schemeClr val="bg2"/>
+                </a:solidFill>
               </a:rPr>
               <a:t>DESCUENTO RESPECTO A LA MARCA</a:t>
             </a:r>
-            <a:endParaRPr lang="es-ES" u="sng">
-              <a:ea typeface="+mn-lt"/>
-              <a:cs typeface="+mn-lt"/>
-            </a:endParaRPr>
           </a:p>
         </p:txBody>
       </p:sp>
